--- a/Dokumentation/Präsentation.pptx
+++ b/Dokumentation/Präsentation.pptx
@@ -6487,7 +6487,11 @@
           <a:p>
             <a:r>
               <a:rPr lang="en-US" dirty="0" err="1"/>
-              <a:t>Hardwareschema</a:t>
+              <a:t>Prinzipschema</a:t>
+            </a:r>
+            <a:r>
+              <a:rPr lang="en-US" dirty="0"/>
+              <a:t> Cloud</a:t>
             </a:r>
             <a:endParaRPr lang="de-CH" dirty="0"/>
           </a:p>

--- a/Dokumentation/Präsentation.pptx
+++ b/Dokumentation/Präsentation.pptx
@@ -220,7 +220,7 @@
             <a:pPr rtl="0"/>
             <a:fld id="{764ED9EE-8F2A-4E06-87A2-36C0DD0993FD}" type="datetime1">
               <a:rPr lang="de-DE" smtClean="0"/>
-              <a:t>09.01.2022</a:t>
+              <a:t>09.01.22</a:t>
             </a:fld>
             <a:endParaRPr lang="en-US" dirty="0"/>
           </a:p>
@@ -390,7 +390,7 @@
             <a:pPr rtl="0"/>
             <a:fld id="{A5A5ADE8-1FB8-43FD-A675-2B613EE00B6F}" type="datetime1">
               <a:rPr lang="de-DE" smtClean="0"/>
-              <a:t>09.01.2022</a:t>
+              <a:t>09.01.22</a:t>
             </a:fld>
             <a:endParaRPr lang="en-US"/>
           </a:p>
@@ -904,7 +904,7 @@
             <a:pPr rtl="0"/>
             <a:fld id="{81E9C95E-BEF0-4D2E-9127-B9099B238D2A}" type="datetime1">
               <a:rPr lang="de-DE" smtClean="0"/>
-              <a:t>09.01.2022</a:t>
+              <a:t>09.01.22</a:t>
             </a:fld>
             <a:endParaRPr lang="en-US" dirty="0"/>
           </a:p>
@@ -1111,7 +1111,7 @@
             <a:pPr rtl="0"/>
             <a:fld id="{FE771757-BB18-44C5-813E-435E78C98126}" type="datetime1">
               <a:rPr lang="de-DE" smtClean="0"/>
-              <a:t>09.01.2022</a:t>
+              <a:t>09.01.22</a:t>
             </a:fld>
             <a:endParaRPr lang="en-US" dirty="0"/>
           </a:p>
@@ -1477,7 +1477,7 @@
             <a:pPr rtl="0"/>
             <a:fld id="{B83FACD6-565C-4118-ACD0-32ACCA9AF940}" type="datetime1">
               <a:rPr lang="de-DE" smtClean="0"/>
-              <a:t>09.01.2022</a:t>
+              <a:t>09.01.22</a:t>
             </a:fld>
             <a:endParaRPr lang="en-US" dirty="0"/>
           </a:p>
@@ -1679,7 +1679,7 @@
             <a:pPr rtl="0"/>
             <a:fld id="{83627DD0-092D-4AD9-AAE0-0513E170352E}" type="datetime1">
               <a:rPr lang="de-DE" smtClean="0"/>
-              <a:t>09.01.2022</a:t>
+              <a:t>09.01.22</a:t>
             </a:fld>
             <a:endParaRPr lang="en-US" dirty="0"/>
           </a:p>
@@ -1995,7 +1995,7 @@
             <a:pPr rtl="0"/>
             <a:fld id="{F36CBEDB-B1DE-4F8C-AD4A-10AD3F77E1A9}" type="datetime1">
               <a:rPr lang="de-DE" smtClean="0"/>
-              <a:t>09.01.2022</a:t>
+              <a:t>09.01.22</a:t>
             </a:fld>
             <a:endParaRPr lang="en-US" dirty="0"/>
           </a:p>
@@ -2252,7 +2252,7 @@
             <a:pPr rtl="0"/>
             <a:fld id="{F95AE019-BB99-4C3A-AA2C-A36C39CE4DCB}" type="datetime1">
               <a:rPr lang="de-DE" smtClean="0"/>
-              <a:t>09.01.2022</a:t>
+              <a:t>09.01.22</a:t>
             </a:fld>
             <a:endParaRPr lang="en-US" dirty="0"/>
           </a:p>
@@ -2678,7 +2678,7 @@
             <a:pPr rtl="0"/>
             <a:fld id="{117FAFC6-AD0C-4B5B-B8B0-E729C6D4C810}" type="datetime1">
               <a:rPr lang="de-DE" smtClean="0"/>
-              <a:t>09.01.2022</a:t>
+              <a:t>09.01.22</a:t>
             </a:fld>
             <a:endParaRPr lang="en-US" dirty="0"/>
           </a:p>
@@ -2805,7 +2805,7 @@
             <a:pPr rtl="0"/>
             <a:fld id="{607DEF3C-A2B0-4F78-836D-1A1B1DEE5467}" type="datetime1">
               <a:rPr lang="de-DE" smtClean="0"/>
-              <a:t>09.01.2022</a:t>
+              <a:t>09.01.22</a:t>
             </a:fld>
             <a:endParaRPr lang="en-US" dirty="0"/>
           </a:p>
@@ -2903,7 +2903,7 @@
             <a:pPr rtl="0"/>
             <a:fld id="{D971D44B-9C44-467E-B481-41466CDBD2A7}" type="datetime1">
               <a:rPr lang="de-DE" smtClean="0"/>
-              <a:t>09.01.2022</a:t>
+              <a:t>09.01.22</a:t>
             </a:fld>
             <a:endParaRPr lang="en-US" dirty="0"/>
           </a:p>
@@ -3284,7 +3284,7 @@
             <a:pPr rtl="0"/>
             <a:fld id="{0354EEBD-0E7F-42E6-BE86-4864547D749E}" type="datetime1">
               <a:rPr lang="de-DE" smtClean="0"/>
-              <a:t>09.01.2022</a:t>
+              <a:t>09.01.22</a:t>
             </a:fld>
             <a:endParaRPr lang="en-US" dirty="0"/>
           </a:p>
@@ -3582,7 +3582,7 @@
             <a:pPr rtl="0"/>
             <a:fld id="{8C7274EF-79A2-4EAD-98EF-7E5BB5EA068D}" type="datetime1">
               <a:rPr lang="de-DE" smtClean="0"/>
-              <a:t>09.01.2022</a:t>
+              <a:t>09.01.22</a:t>
             </a:fld>
             <a:endParaRPr lang="en-US" dirty="0"/>
           </a:p>
@@ -3800,7 +3800,7 @@
             <a:pPr rtl="0"/>
             <a:fld id="{EDD379EC-906B-4CE5-98C2-3A156331FD9E}" type="datetime1">
               <a:rPr lang="de-DE" smtClean="0"/>
-              <a:t>09.01.2022</a:t>
+              <a:t>09.01.22</a:t>
             </a:fld>
             <a:endParaRPr lang="en-US" dirty="0"/>
           </a:p>
@@ -4908,7 +4908,7 @@
                   <a:spcPts val="600"/>
                 </a:spcAft>
               </a:pPr>
-              <a:t>09.01.2022</a:t>
+              <a:t>09.01.22</a:t>
             </a:fld>
             <a:endParaRPr lang="en-US"/>
           </a:p>
@@ -5051,7 +5051,7 @@
                   <a:spcPts val="600"/>
                 </a:spcAft>
               </a:pPr>
-              <a:t>09.01.2022</a:t>
+              <a:t>09.01.22</a:t>
             </a:fld>
             <a:endParaRPr lang="en-US"/>
           </a:p>
@@ -5165,7 +5165,7 @@
             <a:pPr rtl="0"/>
             <a:fld id="{F36CBEDB-B1DE-4F8C-AD4A-10AD3F77E1A9}" type="datetime1">
               <a:rPr lang="de-DE" smtClean="0"/>
-              <a:t>09.01.2022</a:t>
+              <a:t>09.01.22</a:t>
             </a:fld>
             <a:endParaRPr lang="en-US" dirty="0"/>
           </a:p>
@@ -5353,7 +5353,7 @@
                   <a:spcPts val="600"/>
                 </a:spcAft>
               </a:pPr>
-              <a:t>09.01.2022</a:t>
+              <a:t>09.01.22</a:t>
             </a:fld>
             <a:endParaRPr lang="en-US"/>
           </a:p>
@@ -5477,7 +5477,7 @@
             <a:pPr rtl="0"/>
             <a:fld id="{F95AE019-BB99-4C3A-AA2C-A36C39CE4DCB}" type="datetime1">
               <a:rPr lang="de-DE" smtClean="0"/>
-              <a:t>09.01.2022</a:t>
+              <a:t>09.01.22</a:t>
             </a:fld>
             <a:endParaRPr lang="en-US" dirty="0"/>
           </a:p>
@@ -5641,7 +5641,7 @@
             <a:pPr rtl="0"/>
             <a:fld id="{F95AE019-BB99-4C3A-AA2C-A36C39CE4DCB}" type="datetime1">
               <a:rPr lang="de-DE" smtClean="0"/>
-              <a:t>09.01.2022</a:t>
+              <a:t>09.01.22</a:t>
             </a:fld>
             <a:endParaRPr lang="en-US" dirty="0"/>
           </a:p>
@@ -5786,7 +5786,7 @@
             <a:pPr rtl="0"/>
             <a:fld id="{F36CBEDB-B1DE-4F8C-AD4A-10AD3F77E1A9}" type="datetime1">
               <a:rPr lang="de-DE" smtClean="0"/>
-              <a:t>09.01.2022</a:t>
+              <a:t>09.01.22</a:t>
             </a:fld>
             <a:endParaRPr lang="en-US" dirty="0"/>
           </a:p>
@@ -5932,7 +5932,7 @@
             <a:pPr rtl="0"/>
             <a:fld id="{83627DD0-092D-4AD9-AAE0-0513E170352E}" type="datetime1">
               <a:rPr lang="de-DE" smtClean="0"/>
-              <a:t>09.01.2022</a:t>
+              <a:t>09.01.22</a:t>
             </a:fld>
             <a:endParaRPr lang="en-US" dirty="0"/>
           </a:p>
@@ -6046,7 +6046,7 @@
             <a:pPr rtl="0"/>
             <a:fld id="{F36CBEDB-B1DE-4F8C-AD4A-10AD3F77E1A9}" type="datetime1">
               <a:rPr lang="de-DE" smtClean="0"/>
-              <a:t>09.01.2022</a:t>
+              <a:t>09.01.22</a:t>
             </a:fld>
             <a:endParaRPr lang="en-US" dirty="0"/>
           </a:p>
@@ -6421,7 +6421,7 @@
             <a:pPr rtl="0"/>
             <a:fld id="{83627DD0-092D-4AD9-AAE0-0513E170352E}" type="datetime1">
               <a:rPr lang="de-DE" smtClean="0"/>
-              <a:t>09.01.2022</a:t>
+              <a:t>09.01.22</a:t>
             </a:fld>
             <a:endParaRPr lang="en-US" dirty="0"/>
           </a:p>
@@ -6475,7 +6475,7 @@
         </p:nvSpPr>
         <p:spPr>
           <a:xfrm>
-            <a:off x="581192" y="702156"/>
+            <a:off x="402288" y="702156"/>
             <a:ext cx="11029616" cy="1188720"/>
           </a:xfrm>
         </p:spPr>
@@ -6488,10 +6488,6 @@
             <a:r>
               <a:rPr lang="en-US" dirty="0" err="1"/>
               <a:t>Prinzipschema</a:t>
-            </a:r>
-            <a:r>
-              <a:rPr lang="en-US" dirty="0"/>
-              <a:t> Cloud</a:t>
             </a:r>
             <a:endParaRPr lang="de-CH" dirty="0"/>
           </a:p>
@@ -6512,15 +6508,20 @@
           <p:nvPr/>
         </p:nvPicPr>
         <p:blipFill>
-          <a:blip r:embed="rId2"/>
-          <a:stretch>
-            <a:fillRect/>
-          </a:stretch>
+          <a:blip r:embed="rId2">
+            <a:extLst>
+              <a:ext uri="{28A0092B-C50C-407E-A947-70E740481C1C}">
+                <a14:useLocalDpi xmlns:a14="http://schemas.microsoft.com/office/drawing/2010/main" val="0"/>
+              </a:ext>
+            </a:extLst>
+          </a:blip>
+          <a:srcRect/>
+          <a:stretch/>
         </p:blipFill>
         <p:spPr>
           <a:xfrm>
-            <a:off x="1776998" y="1964790"/>
-            <a:ext cx="8638004" cy="4383786"/>
+            <a:off x="4223499" y="702156"/>
+            <a:ext cx="3745001" cy="6016696"/>
           </a:xfrm>
           <a:prstGeom prst="rect">
             <a:avLst/>
@@ -6568,7 +6569,7 @@
                   <a:spcPts val="600"/>
                 </a:spcAft>
               </a:pPr>
-              <a:t>09.01.2022</a:t>
+              <a:t>09.01.22</a:t>
             </a:fld>
             <a:endParaRPr lang="en-US"/>
           </a:p>
@@ -6713,7 +6714,7 @@
                   <a:spcPts val="600"/>
                 </a:spcAft>
               </a:pPr>
-              <a:t>09.01.2022</a:t>
+              <a:t>09.01.22</a:t>
             </a:fld>
             <a:endParaRPr lang="en-US"/>
           </a:p>
@@ -6886,7 +6887,7 @@
             <a:pPr rtl="0"/>
             <a:fld id="{83627DD0-092D-4AD9-AAE0-0513E170352E}" type="datetime1">
               <a:rPr lang="de-DE" smtClean="0"/>
-              <a:t>09.01.2022</a:t>
+              <a:t>09.01.22</a:t>
             </a:fld>
             <a:endParaRPr lang="en-US" dirty="0"/>
           </a:p>
@@ -6909,21 +6910,20 @@
           </p:nvPr>
         </p:nvPicPr>
         <p:blipFill>
-          <a:blip r:embed="rId2" cstate="print">
+          <a:blip r:embed="rId2">
             <a:extLst>
               <a:ext uri="{28A0092B-C50C-407E-A947-70E740481C1C}">
                 <a14:useLocalDpi xmlns:a14="http://schemas.microsoft.com/office/drawing/2010/main" val="0"/>
               </a:ext>
             </a:extLst>
           </a:blip>
-          <a:stretch>
-            <a:fillRect/>
-          </a:stretch>
+          <a:srcRect/>
+          <a:stretch/>
         </p:blipFill>
         <p:spPr>
           <a:xfrm>
-            <a:off x="3117822" y="2672485"/>
-            <a:ext cx="5956356" cy="2971943"/>
+            <a:off x="2171706" y="2332020"/>
+            <a:ext cx="7848587" cy="3650749"/>
           </a:xfrm>
           <a:prstGeom prst="rect">
             <a:avLst/>
@@ -7038,7 +7038,7 @@
             <a:pPr rtl="0"/>
             <a:fld id="{83627DD0-092D-4AD9-AAE0-0513E170352E}" type="datetime1">
               <a:rPr lang="de-DE" smtClean="0"/>
-              <a:t>09.01.2022</a:t>
+              <a:t>09.01.22</a:t>
             </a:fld>
             <a:endParaRPr lang="en-US" dirty="0"/>
           </a:p>
